--- a/Presentation1.pptx
+++ b/Presentation1.pptx
@@ -6,6 +6,7 @@
   </p:sldMasterIdLst>
   <p:sldIdLst>
     <p:sldId id="256" r:id="rId2"/>
+    <p:sldId id="257" r:id="rId3"/>
   </p:sldIdLst>
   <p:sldSz cx="12192000" cy="6858000"/>
   <p:notesSz cx="6858000" cy="9144000"/>
@@ -104,6 +105,11 @@
       </a:defRPr>
     </a:lvl9pPr>
   </p:defaultTextStyle>
+  <p:extLst>
+    <p:ext uri="{EFAFB233-063F-42B5-8137-9DF3F51BA10A}">
+      <p15:sldGuideLst xmlns:p15="http://schemas.microsoft.com/office/powerpoint/2012/main"/>
+    </p:ext>
+  </p:extLst>
 </p:presentation>
 </file>
 
@@ -238,7 +244,7 @@
           <a:p>
             <a:fld id="{EF5AC38C-62C6-4146-A9B9-4CF3DC8B8603}" type="datetimeFigureOut">
               <a:rPr lang="en-US" smtClean="0"/>
-              <a:t>09-04-2024</a:t>
+              <a:t>10-04-2024</a:t>
             </a:fld>
             <a:endParaRPr lang="en-US"/>
           </a:p>
@@ -408,7 +414,7 @@
           <a:p>
             <a:fld id="{EF5AC38C-62C6-4146-A9B9-4CF3DC8B8603}" type="datetimeFigureOut">
               <a:rPr lang="en-US" smtClean="0"/>
-              <a:t>09-04-2024</a:t>
+              <a:t>10-04-2024</a:t>
             </a:fld>
             <a:endParaRPr lang="en-US"/>
           </a:p>
@@ -588,7 +594,7 @@
           <a:p>
             <a:fld id="{EF5AC38C-62C6-4146-A9B9-4CF3DC8B8603}" type="datetimeFigureOut">
               <a:rPr lang="en-US" smtClean="0"/>
-              <a:t>09-04-2024</a:t>
+              <a:t>10-04-2024</a:t>
             </a:fld>
             <a:endParaRPr lang="en-US"/>
           </a:p>
@@ -758,7 +764,7 @@
           <a:p>
             <a:fld id="{EF5AC38C-62C6-4146-A9B9-4CF3DC8B8603}" type="datetimeFigureOut">
               <a:rPr lang="en-US" smtClean="0"/>
-              <a:t>09-04-2024</a:t>
+              <a:t>10-04-2024</a:t>
             </a:fld>
             <a:endParaRPr lang="en-US"/>
           </a:p>
@@ -1004,7 +1010,7 @@
           <a:p>
             <a:fld id="{EF5AC38C-62C6-4146-A9B9-4CF3DC8B8603}" type="datetimeFigureOut">
               <a:rPr lang="en-US" smtClean="0"/>
-              <a:t>09-04-2024</a:t>
+              <a:t>10-04-2024</a:t>
             </a:fld>
             <a:endParaRPr lang="en-US"/>
           </a:p>
@@ -1236,7 +1242,7 @@
           <a:p>
             <a:fld id="{EF5AC38C-62C6-4146-A9B9-4CF3DC8B8603}" type="datetimeFigureOut">
               <a:rPr lang="en-US" smtClean="0"/>
-              <a:t>09-04-2024</a:t>
+              <a:t>10-04-2024</a:t>
             </a:fld>
             <a:endParaRPr lang="en-US"/>
           </a:p>
@@ -1603,7 +1609,7 @@
           <a:p>
             <a:fld id="{EF5AC38C-62C6-4146-A9B9-4CF3DC8B8603}" type="datetimeFigureOut">
               <a:rPr lang="en-US" smtClean="0"/>
-              <a:t>09-04-2024</a:t>
+              <a:t>10-04-2024</a:t>
             </a:fld>
             <a:endParaRPr lang="en-US"/>
           </a:p>
@@ -1721,7 +1727,7 @@
           <a:p>
             <a:fld id="{EF5AC38C-62C6-4146-A9B9-4CF3DC8B8603}" type="datetimeFigureOut">
               <a:rPr lang="en-US" smtClean="0"/>
-              <a:t>09-04-2024</a:t>
+              <a:t>10-04-2024</a:t>
             </a:fld>
             <a:endParaRPr lang="en-US"/>
           </a:p>
@@ -1816,7 +1822,7 @@
           <a:p>
             <a:fld id="{EF5AC38C-62C6-4146-A9B9-4CF3DC8B8603}" type="datetimeFigureOut">
               <a:rPr lang="en-US" smtClean="0"/>
-              <a:t>09-04-2024</a:t>
+              <a:t>10-04-2024</a:t>
             </a:fld>
             <a:endParaRPr lang="en-US"/>
           </a:p>
@@ -2093,7 +2099,7 @@
           <a:p>
             <a:fld id="{EF5AC38C-62C6-4146-A9B9-4CF3DC8B8603}" type="datetimeFigureOut">
               <a:rPr lang="en-US" smtClean="0"/>
-              <a:t>09-04-2024</a:t>
+              <a:t>10-04-2024</a:t>
             </a:fld>
             <a:endParaRPr lang="en-US"/>
           </a:p>
@@ -2346,7 +2352,7 @@
           <a:p>
             <a:fld id="{EF5AC38C-62C6-4146-A9B9-4CF3DC8B8603}" type="datetimeFigureOut">
               <a:rPr lang="en-US" smtClean="0"/>
-              <a:t>09-04-2024</a:t>
+              <a:t>10-04-2024</a:t>
             </a:fld>
             <a:endParaRPr lang="en-US"/>
           </a:p>
@@ -2559,7 +2565,7 @@
           <a:p>
             <a:fld id="{EF5AC38C-62C6-4146-A9B9-4CF3DC8B8603}" type="datetimeFigureOut">
               <a:rPr lang="en-US" smtClean="0"/>
-              <a:t>09-04-2024</a:t>
+              <a:t>10-04-2024</a:t>
             </a:fld>
             <a:endParaRPr lang="en-US"/>
           </a:p>
@@ -3876,7 +3882,6 @@
               <a:rPr lang="en-US" dirty="0"/>
               <a:t>4</a:t>
             </a:r>
-            <a:endParaRPr lang="en-US" dirty="0"/>
           </a:p>
         </p:txBody>
       </p:sp>
@@ -3938,7 +3943,6 @@
               <a:rPr lang="en-US" dirty="0"/>
               <a:t>6</a:t>
             </a:r>
-            <a:endParaRPr lang="en-US" dirty="0"/>
           </a:p>
         </p:txBody>
       </p:sp>
@@ -4000,7 +4004,6 @@
               <a:rPr lang="en-US" dirty="0"/>
               <a:t>8</a:t>
             </a:r>
-            <a:endParaRPr lang="en-US" dirty="0"/>
           </a:p>
         </p:txBody>
       </p:sp>
@@ -4131,6 +4134,808 @@
     <p:extLst>
       <p:ext uri="{BB962C8B-B14F-4D97-AF65-F5344CB8AC3E}">
         <p14:creationId xmlns:p14="http://schemas.microsoft.com/office/powerpoint/2010/main" val="1575647880"/>
+      </p:ext>
+    </p:extLst>
+  </p:cSld>
+  <p:clrMapOvr>
+    <a:masterClrMapping/>
+  </p:clrMapOvr>
+</p:sld>
+</file>
+
+<file path=ppt/slides/slide2.xml><?xml version="1.0" encoding="utf-8"?>
+<p:sld xmlns:a="http://schemas.openxmlformats.org/drawingml/2006/main" xmlns:r="http://schemas.openxmlformats.org/officeDocument/2006/relationships" xmlns:p="http://schemas.openxmlformats.org/presentationml/2006/main">
+  <p:cSld>
+    <p:spTree>
+      <p:nvGrpSpPr>
+        <p:cNvPr id="1" name=""/>
+        <p:cNvGrpSpPr/>
+        <p:nvPr/>
+      </p:nvGrpSpPr>
+      <p:grpSpPr>
+        <a:xfrm>
+          <a:off x="0" y="0"/>
+          <a:ext cx="0" cy="0"/>
+          <a:chOff x="0" y="0"/>
+          <a:chExt cx="0" cy="0"/>
+        </a:xfrm>
+      </p:grpSpPr>
+      <p:pic>
+        <p:nvPicPr>
+          <p:cNvPr id="4" name="Picture 3"/>
+          <p:cNvPicPr>
+            <a:picLocks noChangeAspect="1"/>
+          </p:cNvPicPr>
+          <p:nvPr/>
+        </p:nvPicPr>
+        <p:blipFill>
+          <a:blip r:embed="rId2" cstate="print">
+            <a:extLst>
+              <a:ext uri="{28A0092B-C50C-407E-A947-70E740481C1C}">
+                <a14:useLocalDpi xmlns:a14="http://schemas.microsoft.com/office/drawing/2010/main" val="0"/>
+              </a:ext>
+            </a:extLst>
+          </a:blip>
+          <a:stretch>
+            <a:fillRect/>
+          </a:stretch>
+        </p:blipFill>
+        <p:spPr>
+          <a:xfrm>
+            <a:off x="1928873" y="3195399"/>
+            <a:ext cx="1390919" cy="925425"/>
+          </a:xfrm>
+          <a:prstGeom prst="rect">
+            <a:avLst/>
+          </a:prstGeom>
+        </p:spPr>
+      </p:pic>
+      <p:pic>
+        <p:nvPicPr>
+          <p:cNvPr id="5" name="Picture 4"/>
+          <p:cNvPicPr>
+            <a:picLocks noChangeAspect="1"/>
+          </p:cNvPicPr>
+          <p:nvPr/>
+        </p:nvPicPr>
+        <p:blipFill>
+          <a:blip r:embed="rId3" cstate="print">
+            <a:extLst>
+              <a:ext uri="{28A0092B-C50C-407E-A947-70E740481C1C}">
+                <a14:useLocalDpi xmlns:a14="http://schemas.microsoft.com/office/drawing/2010/main" val="0"/>
+              </a:ext>
+            </a:extLst>
+          </a:blip>
+          <a:stretch>
+            <a:fillRect/>
+          </a:stretch>
+        </p:blipFill>
+        <p:spPr>
+          <a:xfrm>
+            <a:off x="5065288" y="864600"/>
+            <a:ext cx="1663967" cy="1247975"/>
+          </a:xfrm>
+          <a:prstGeom prst="rect">
+            <a:avLst/>
+          </a:prstGeom>
+        </p:spPr>
+      </p:pic>
+      <p:cxnSp>
+        <p:nvCxnSpPr>
+          <p:cNvPr id="14" name="Straight Arrow Connector 13"/>
+          <p:cNvCxnSpPr/>
+          <p:nvPr/>
+        </p:nvCxnSpPr>
+        <p:spPr>
+          <a:xfrm flipH="1" flipV="1">
+            <a:off x="5714142" y="2284115"/>
+            <a:ext cx="25757" cy="1234411"/>
+          </a:xfrm>
+          <a:prstGeom prst="straightConnector1">
+            <a:avLst/>
+          </a:prstGeom>
+          <a:ln>
+            <a:tailEnd type="triangle"/>
+          </a:ln>
+        </p:spPr>
+        <p:style>
+          <a:lnRef idx="1">
+            <a:schemeClr val="accent1"/>
+          </a:lnRef>
+          <a:fillRef idx="0">
+            <a:schemeClr val="accent1"/>
+          </a:fillRef>
+          <a:effectRef idx="0">
+            <a:schemeClr val="accent1"/>
+          </a:effectRef>
+          <a:fontRef idx="minor">
+            <a:schemeClr val="tx1"/>
+          </a:fontRef>
+        </p:style>
+      </p:cxnSp>
+      <p:cxnSp>
+        <p:nvCxnSpPr>
+          <p:cNvPr id="22" name="Straight Arrow Connector 21"/>
+          <p:cNvCxnSpPr/>
+          <p:nvPr/>
+        </p:nvCxnSpPr>
+        <p:spPr>
+          <a:xfrm>
+            <a:off x="6099436" y="2284115"/>
+            <a:ext cx="25758" cy="1187838"/>
+          </a:xfrm>
+          <a:prstGeom prst="straightConnector1">
+            <a:avLst/>
+          </a:prstGeom>
+          <a:ln>
+            <a:tailEnd type="triangle"/>
+          </a:ln>
+        </p:spPr>
+        <p:style>
+          <a:lnRef idx="1">
+            <a:schemeClr val="accent1"/>
+          </a:lnRef>
+          <a:fillRef idx="0">
+            <a:schemeClr val="accent1"/>
+          </a:fillRef>
+          <a:effectRef idx="0">
+            <a:schemeClr val="accent1"/>
+          </a:effectRef>
+          <a:fontRef idx="minor">
+            <a:schemeClr val="tx1"/>
+          </a:fontRef>
+        </p:style>
+      </p:cxnSp>
+      <p:sp>
+        <p:nvSpPr>
+          <p:cNvPr id="41" name="TextBox 40"/>
+          <p:cNvSpPr txBox="1"/>
+          <p:nvPr/>
+        </p:nvSpPr>
+        <p:spPr>
+          <a:xfrm>
+            <a:off x="695662" y="4125088"/>
+            <a:ext cx="1998403" cy="1477328"/>
+          </a:xfrm>
+          <a:prstGeom prst="rect">
+            <a:avLst/>
+          </a:prstGeom>
+          <a:noFill/>
+        </p:spPr>
+        <p:txBody>
+          <a:bodyPr wrap="square" rtlCol="0">
+            <a:spAutoFit/>
+          </a:bodyPr>
+          <a:lstStyle/>
+          <a:p>
+            <a:pPr algn="ctr"/>
+            <a:r>
+              <a:rPr lang="en-US" dirty="0" smtClean="0"/>
+              <a:t>Business User making a payment request or checking approval status</a:t>
+            </a:r>
+            <a:endParaRPr lang="en-US" dirty="0"/>
+          </a:p>
+        </p:txBody>
+      </p:sp>
+      <p:sp>
+        <p:nvSpPr>
+          <p:cNvPr id="42" name="TextBox 41"/>
+          <p:cNvSpPr txBox="1"/>
+          <p:nvPr/>
+        </p:nvSpPr>
+        <p:spPr>
+          <a:xfrm>
+            <a:off x="4609940" y="60604"/>
+            <a:ext cx="2327825" cy="923330"/>
+          </a:xfrm>
+          <a:prstGeom prst="rect">
+            <a:avLst/>
+          </a:prstGeom>
+          <a:noFill/>
+        </p:spPr>
+        <p:txBody>
+          <a:bodyPr wrap="square" rtlCol="0">
+            <a:spAutoFit/>
+          </a:bodyPr>
+          <a:lstStyle/>
+          <a:p>
+            <a:pPr algn="ctr"/>
+            <a:r>
+              <a:rPr lang="en-US" dirty="0" smtClean="0"/>
+              <a:t>Approval </a:t>
+            </a:r>
+            <a:r>
+              <a:rPr lang="en-US" dirty="0" smtClean="0"/>
+              <a:t>authorities reviewing and approving request</a:t>
+            </a:r>
+            <a:endParaRPr lang="en-US" dirty="0"/>
+          </a:p>
+        </p:txBody>
+      </p:sp>
+      <p:sp>
+        <p:nvSpPr>
+          <p:cNvPr id="45" name="TextBox 44"/>
+          <p:cNvSpPr txBox="1"/>
+          <p:nvPr/>
+        </p:nvSpPr>
+        <p:spPr>
+          <a:xfrm>
+            <a:off x="8897442" y="4120824"/>
+            <a:ext cx="1685236" cy="923330"/>
+          </a:xfrm>
+          <a:prstGeom prst="rect">
+            <a:avLst/>
+          </a:prstGeom>
+          <a:noFill/>
+        </p:spPr>
+        <p:txBody>
+          <a:bodyPr wrap="square" rtlCol="0">
+            <a:spAutoFit/>
+          </a:bodyPr>
+          <a:lstStyle/>
+          <a:p>
+            <a:pPr algn="ctr"/>
+            <a:r>
+              <a:rPr lang="en-US" dirty="0" smtClean="0"/>
+              <a:t>Microsoft IIS Self service portal</a:t>
+            </a:r>
+            <a:endParaRPr lang="en-US" dirty="0"/>
+          </a:p>
+        </p:txBody>
+      </p:sp>
+      <p:sp>
+        <p:nvSpPr>
+          <p:cNvPr id="48" name="TextBox 47"/>
+          <p:cNvSpPr txBox="1"/>
+          <p:nvPr/>
+        </p:nvSpPr>
+        <p:spPr>
+          <a:xfrm rot="16200000">
+            <a:off x="5260596" y="2659887"/>
+            <a:ext cx="563517" cy="369332"/>
+          </a:xfrm>
+          <a:prstGeom prst="rect">
+            <a:avLst/>
+          </a:prstGeom>
+          <a:noFill/>
+        </p:spPr>
+        <p:txBody>
+          <a:bodyPr wrap="square" rtlCol="0">
+            <a:spAutoFit/>
+          </a:bodyPr>
+          <a:lstStyle/>
+          <a:p>
+            <a:pPr algn="ctr"/>
+            <a:r>
+              <a:rPr lang="en-US" dirty="0" smtClean="0"/>
+              <a:t>4</a:t>
+            </a:r>
+            <a:endParaRPr lang="en-US" dirty="0"/>
+          </a:p>
+        </p:txBody>
+      </p:sp>
+      <p:sp>
+        <p:nvSpPr>
+          <p:cNvPr id="49" name="TextBox 48"/>
+          <p:cNvSpPr txBox="1"/>
+          <p:nvPr/>
+        </p:nvSpPr>
+        <p:spPr>
+          <a:xfrm rot="16200000">
+            <a:off x="6006834" y="2603634"/>
+            <a:ext cx="563517" cy="369332"/>
+          </a:xfrm>
+          <a:prstGeom prst="rect">
+            <a:avLst/>
+          </a:prstGeom>
+          <a:noFill/>
+        </p:spPr>
+        <p:txBody>
+          <a:bodyPr wrap="square" rtlCol="0">
+            <a:spAutoFit/>
+          </a:bodyPr>
+          <a:lstStyle/>
+          <a:p>
+            <a:pPr algn="ctr"/>
+            <a:r>
+              <a:rPr lang="en-US" dirty="0"/>
+              <a:t>5</a:t>
+            </a:r>
+            <a:endParaRPr lang="en-US" dirty="0"/>
+          </a:p>
+        </p:txBody>
+      </p:sp>
+      <p:pic>
+        <p:nvPicPr>
+          <p:cNvPr id="2" name="Picture 1"/>
+          <p:cNvPicPr>
+            <a:picLocks noChangeAspect="1"/>
+          </p:cNvPicPr>
+          <p:nvPr/>
+        </p:nvPicPr>
+        <p:blipFill>
+          <a:blip r:embed="rId4"/>
+          <a:stretch>
+            <a:fillRect/>
+          </a:stretch>
+        </p:blipFill>
+        <p:spPr>
+          <a:xfrm>
+            <a:off x="5528404" y="5442158"/>
+            <a:ext cx="1096799" cy="1108678"/>
+          </a:xfrm>
+          <a:prstGeom prst="rect">
+            <a:avLst/>
+          </a:prstGeom>
+        </p:spPr>
+      </p:pic>
+      <p:pic>
+        <p:nvPicPr>
+          <p:cNvPr id="3" name="Picture 2"/>
+          <p:cNvPicPr>
+            <a:picLocks noChangeAspect="1"/>
+          </p:cNvPicPr>
+          <p:nvPr/>
+        </p:nvPicPr>
+        <p:blipFill>
+          <a:blip r:embed="rId5"/>
+          <a:stretch>
+            <a:fillRect/>
+          </a:stretch>
+        </p:blipFill>
+        <p:spPr>
+          <a:xfrm>
+            <a:off x="8974038" y="2923506"/>
+            <a:ext cx="1571240" cy="1125984"/>
+          </a:xfrm>
+          <a:prstGeom prst="rect">
+            <a:avLst/>
+          </a:prstGeom>
+        </p:spPr>
+      </p:pic>
+      <p:cxnSp>
+        <p:nvCxnSpPr>
+          <p:cNvPr id="11" name="Straight Arrow Connector 10"/>
+          <p:cNvCxnSpPr/>
+          <p:nvPr/>
+        </p:nvCxnSpPr>
+        <p:spPr>
+          <a:xfrm>
+            <a:off x="2969769" y="4150847"/>
+            <a:ext cx="2502656" cy="1400393"/>
+          </a:xfrm>
+          <a:prstGeom prst="straightConnector1">
+            <a:avLst/>
+          </a:prstGeom>
+          <a:ln>
+            <a:tailEnd type="triangle"/>
+          </a:ln>
+        </p:spPr>
+        <p:style>
+          <a:lnRef idx="1">
+            <a:schemeClr val="accent1"/>
+          </a:lnRef>
+          <a:fillRef idx="0">
+            <a:schemeClr val="accent1"/>
+          </a:fillRef>
+          <a:effectRef idx="0">
+            <a:schemeClr val="accent1"/>
+          </a:effectRef>
+          <a:fontRef idx="minor">
+            <a:schemeClr val="tx1"/>
+          </a:fontRef>
+        </p:style>
+      </p:cxnSp>
+      <p:cxnSp>
+        <p:nvCxnSpPr>
+          <p:cNvPr id="23" name="Straight Arrow Connector 22"/>
+          <p:cNvCxnSpPr/>
+          <p:nvPr/>
+        </p:nvCxnSpPr>
+        <p:spPr>
+          <a:xfrm flipH="1" flipV="1">
+            <a:off x="2907156" y="4631678"/>
+            <a:ext cx="2405268" cy="1313528"/>
+          </a:xfrm>
+          <a:prstGeom prst="straightConnector1">
+            <a:avLst/>
+          </a:prstGeom>
+          <a:ln>
+            <a:tailEnd type="triangle"/>
+          </a:ln>
+        </p:spPr>
+        <p:style>
+          <a:lnRef idx="1">
+            <a:schemeClr val="accent1"/>
+          </a:lnRef>
+          <a:fillRef idx="0">
+            <a:schemeClr val="accent1"/>
+          </a:fillRef>
+          <a:effectRef idx="0">
+            <a:schemeClr val="accent1"/>
+          </a:effectRef>
+          <a:fontRef idx="minor">
+            <a:schemeClr val="tx1"/>
+          </a:fontRef>
+        </p:style>
+      </p:cxnSp>
+      <p:cxnSp>
+        <p:nvCxnSpPr>
+          <p:cNvPr id="28" name="Straight Arrow Connector 27"/>
+          <p:cNvCxnSpPr/>
+          <p:nvPr/>
+        </p:nvCxnSpPr>
+        <p:spPr>
+          <a:xfrm flipV="1">
+            <a:off x="6841183" y="4547211"/>
+            <a:ext cx="2056259" cy="1069917"/>
+          </a:xfrm>
+          <a:prstGeom prst="straightConnector1">
+            <a:avLst/>
+          </a:prstGeom>
+          <a:ln>
+            <a:tailEnd type="triangle"/>
+          </a:ln>
+        </p:spPr>
+        <p:style>
+          <a:lnRef idx="1">
+            <a:schemeClr val="accent1"/>
+          </a:lnRef>
+          <a:fillRef idx="0">
+            <a:schemeClr val="accent1"/>
+          </a:fillRef>
+          <a:effectRef idx="0">
+            <a:schemeClr val="accent1"/>
+          </a:effectRef>
+          <a:fontRef idx="minor">
+            <a:schemeClr val="tx1"/>
+          </a:fontRef>
+        </p:style>
+      </p:cxnSp>
+      <p:cxnSp>
+        <p:nvCxnSpPr>
+          <p:cNvPr id="32" name="Straight Arrow Connector 31"/>
+          <p:cNvCxnSpPr/>
+          <p:nvPr/>
+        </p:nvCxnSpPr>
+        <p:spPr>
+          <a:xfrm flipH="1">
+            <a:off x="6938837" y="4979205"/>
+            <a:ext cx="2069755" cy="1053630"/>
+          </a:xfrm>
+          <a:prstGeom prst="straightConnector1">
+            <a:avLst/>
+          </a:prstGeom>
+          <a:ln>
+            <a:tailEnd type="triangle"/>
+          </a:ln>
+        </p:spPr>
+        <p:style>
+          <a:lnRef idx="1">
+            <a:schemeClr val="accent1"/>
+          </a:lnRef>
+          <a:fillRef idx="0">
+            <a:schemeClr val="accent1"/>
+          </a:fillRef>
+          <a:effectRef idx="0">
+            <a:schemeClr val="accent1"/>
+          </a:effectRef>
+          <a:fontRef idx="minor">
+            <a:schemeClr val="tx1"/>
+          </a:fontRef>
+        </p:style>
+      </p:cxnSp>
+      <p:cxnSp>
+        <p:nvCxnSpPr>
+          <p:cNvPr id="36" name="Straight Arrow Connector 35"/>
+          <p:cNvCxnSpPr/>
+          <p:nvPr/>
+        </p:nvCxnSpPr>
+        <p:spPr>
+          <a:xfrm>
+            <a:off x="7224525" y="3639379"/>
+            <a:ext cx="1634281" cy="0"/>
+          </a:xfrm>
+          <a:prstGeom prst="straightConnector1">
+            <a:avLst/>
+          </a:prstGeom>
+          <a:ln>
+            <a:tailEnd type="triangle"/>
+          </a:ln>
+        </p:spPr>
+        <p:style>
+          <a:lnRef idx="1">
+            <a:schemeClr val="accent1"/>
+          </a:lnRef>
+          <a:fillRef idx="0">
+            <a:schemeClr val="accent1"/>
+          </a:fillRef>
+          <a:effectRef idx="0">
+            <a:schemeClr val="accent1"/>
+          </a:effectRef>
+          <a:fontRef idx="minor">
+            <a:schemeClr val="tx1"/>
+          </a:fontRef>
+        </p:style>
+      </p:cxnSp>
+      <p:cxnSp>
+        <p:nvCxnSpPr>
+          <p:cNvPr id="40" name="Straight Arrow Connector 39"/>
+          <p:cNvCxnSpPr/>
+          <p:nvPr/>
+        </p:nvCxnSpPr>
+        <p:spPr>
+          <a:xfrm flipH="1">
+            <a:off x="7224525" y="4056519"/>
+            <a:ext cx="1672917" cy="0"/>
+          </a:xfrm>
+          <a:prstGeom prst="straightConnector1">
+            <a:avLst/>
+          </a:prstGeom>
+          <a:ln>
+            <a:tailEnd type="triangle"/>
+          </a:ln>
+        </p:spPr>
+        <p:style>
+          <a:lnRef idx="1">
+            <a:schemeClr val="accent1"/>
+          </a:lnRef>
+          <a:fillRef idx="0">
+            <a:schemeClr val="accent1"/>
+          </a:fillRef>
+          <a:effectRef idx="0">
+            <a:schemeClr val="accent1"/>
+          </a:effectRef>
+          <a:fontRef idx="minor">
+            <a:schemeClr val="tx1"/>
+          </a:fontRef>
+        </p:style>
+      </p:cxnSp>
+      <p:sp>
+        <p:nvSpPr>
+          <p:cNvPr id="60" name="TextBox 59"/>
+          <p:cNvSpPr txBox="1"/>
+          <p:nvPr/>
+        </p:nvSpPr>
+        <p:spPr>
+          <a:xfrm rot="1713711">
+            <a:off x="3992422" y="4329680"/>
+            <a:ext cx="563517" cy="369332"/>
+          </a:xfrm>
+          <a:prstGeom prst="rect">
+            <a:avLst/>
+          </a:prstGeom>
+          <a:noFill/>
+        </p:spPr>
+        <p:txBody>
+          <a:bodyPr wrap="square" rtlCol="0">
+            <a:spAutoFit/>
+          </a:bodyPr>
+          <a:lstStyle/>
+          <a:p>
+            <a:pPr algn="ctr"/>
+            <a:r>
+              <a:rPr lang="en-US" dirty="0"/>
+              <a:t>1</a:t>
+            </a:r>
+            <a:endParaRPr lang="en-US" dirty="0"/>
+          </a:p>
+        </p:txBody>
+      </p:sp>
+      <p:sp>
+        <p:nvSpPr>
+          <p:cNvPr id="61" name="TextBox 60"/>
+          <p:cNvSpPr txBox="1"/>
+          <p:nvPr/>
+        </p:nvSpPr>
+        <p:spPr>
+          <a:xfrm rot="1713711">
+            <a:off x="3485650" y="5128177"/>
+            <a:ext cx="563517" cy="369332"/>
+          </a:xfrm>
+          <a:prstGeom prst="rect">
+            <a:avLst/>
+          </a:prstGeom>
+          <a:noFill/>
+        </p:spPr>
+        <p:txBody>
+          <a:bodyPr wrap="square" rtlCol="0">
+            <a:spAutoFit/>
+          </a:bodyPr>
+          <a:lstStyle/>
+          <a:p>
+            <a:pPr algn="ctr"/>
+            <a:r>
+              <a:rPr lang="en-US" dirty="0"/>
+              <a:t>8</a:t>
+            </a:r>
+            <a:endParaRPr lang="en-US" dirty="0"/>
+          </a:p>
+        </p:txBody>
+      </p:sp>
+      <p:sp>
+        <p:nvSpPr>
+          <p:cNvPr id="62" name="TextBox 61"/>
+          <p:cNvSpPr txBox="1"/>
+          <p:nvPr/>
+        </p:nvSpPr>
+        <p:spPr>
+          <a:xfrm rot="20170614">
+            <a:off x="7336881" y="4723693"/>
+            <a:ext cx="563517" cy="369332"/>
+          </a:xfrm>
+          <a:prstGeom prst="rect">
+            <a:avLst/>
+          </a:prstGeom>
+          <a:noFill/>
+        </p:spPr>
+        <p:txBody>
+          <a:bodyPr wrap="square" rtlCol="0">
+            <a:spAutoFit/>
+          </a:bodyPr>
+          <a:lstStyle/>
+          <a:p>
+            <a:pPr algn="ctr"/>
+            <a:r>
+              <a:rPr lang="en-US" dirty="0"/>
+              <a:t>2</a:t>
+            </a:r>
+            <a:endParaRPr lang="en-US" dirty="0"/>
+          </a:p>
+        </p:txBody>
+      </p:sp>
+      <p:sp>
+        <p:nvSpPr>
+          <p:cNvPr id="63" name="TextBox 62"/>
+          <p:cNvSpPr txBox="1"/>
+          <p:nvPr/>
+        </p:nvSpPr>
+        <p:spPr>
+          <a:xfrm rot="20170614">
+            <a:off x="7885657" y="5477801"/>
+            <a:ext cx="563517" cy="369332"/>
+          </a:xfrm>
+          <a:prstGeom prst="rect">
+            <a:avLst/>
+          </a:prstGeom>
+          <a:noFill/>
+        </p:spPr>
+        <p:txBody>
+          <a:bodyPr wrap="square" rtlCol="0">
+            <a:spAutoFit/>
+          </a:bodyPr>
+          <a:lstStyle/>
+          <a:p>
+            <a:pPr algn="ctr"/>
+            <a:r>
+              <a:rPr lang="en-US" dirty="0" smtClean="0"/>
+              <a:t>7</a:t>
+            </a:r>
+            <a:endParaRPr lang="en-US" dirty="0"/>
+          </a:p>
+        </p:txBody>
+      </p:sp>
+      <p:sp>
+        <p:nvSpPr>
+          <p:cNvPr id="65" name="TextBox 64"/>
+          <p:cNvSpPr txBox="1"/>
+          <p:nvPr/>
+        </p:nvSpPr>
+        <p:spPr>
+          <a:xfrm>
+            <a:off x="7736426" y="4096111"/>
+            <a:ext cx="563517" cy="369332"/>
+          </a:xfrm>
+          <a:prstGeom prst="rect">
+            <a:avLst/>
+          </a:prstGeom>
+          <a:noFill/>
+        </p:spPr>
+        <p:txBody>
+          <a:bodyPr wrap="square" rtlCol="0">
+            <a:spAutoFit/>
+          </a:bodyPr>
+          <a:lstStyle/>
+          <a:p>
+            <a:pPr algn="ctr"/>
+            <a:r>
+              <a:rPr lang="en-US" dirty="0" smtClean="0"/>
+              <a:t>3</a:t>
+            </a:r>
+            <a:endParaRPr lang="en-US" dirty="0"/>
+          </a:p>
+        </p:txBody>
+      </p:sp>
+      <p:sp>
+        <p:nvSpPr>
+          <p:cNvPr id="66" name="TextBox 65"/>
+          <p:cNvSpPr txBox="1"/>
+          <p:nvPr/>
+        </p:nvSpPr>
+        <p:spPr>
+          <a:xfrm>
+            <a:off x="7729992" y="3254452"/>
+            <a:ext cx="563517" cy="369332"/>
+          </a:xfrm>
+          <a:prstGeom prst="rect">
+            <a:avLst/>
+          </a:prstGeom>
+          <a:noFill/>
+        </p:spPr>
+        <p:txBody>
+          <a:bodyPr wrap="square" rtlCol="0">
+            <a:spAutoFit/>
+          </a:bodyPr>
+          <a:lstStyle/>
+          <a:p>
+            <a:pPr algn="ctr"/>
+            <a:r>
+              <a:rPr lang="en-US" dirty="0" smtClean="0"/>
+              <a:t>6</a:t>
+            </a:r>
+            <a:endParaRPr lang="en-US" dirty="0"/>
+          </a:p>
+        </p:txBody>
+      </p:sp>
+      <p:pic>
+        <p:nvPicPr>
+          <p:cNvPr id="68" name="Picture 67"/>
+          <p:cNvPicPr>
+            <a:picLocks noChangeAspect="1"/>
+          </p:cNvPicPr>
+          <p:nvPr/>
+        </p:nvPicPr>
+        <p:blipFill>
+          <a:blip r:embed="rId6"/>
+          <a:stretch>
+            <a:fillRect/>
+          </a:stretch>
+        </p:blipFill>
+        <p:spPr>
+          <a:xfrm>
+            <a:off x="5240450" y="3574914"/>
+            <a:ext cx="1697315" cy="726951"/>
+          </a:xfrm>
+          <a:prstGeom prst="rect">
+            <a:avLst/>
+          </a:prstGeom>
+        </p:spPr>
+      </p:pic>
+      <p:sp>
+        <p:nvSpPr>
+          <p:cNvPr id="69" name="TextBox 68"/>
+          <p:cNvSpPr txBox="1"/>
+          <p:nvPr/>
+        </p:nvSpPr>
+        <p:spPr>
+          <a:xfrm>
+            <a:off x="5188705" y="4358253"/>
+            <a:ext cx="1685236" cy="369332"/>
+          </a:xfrm>
+          <a:prstGeom prst="rect">
+            <a:avLst/>
+          </a:prstGeom>
+          <a:noFill/>
+        </p:spPr>
+        <p:txBody>
+          <a:bodyPr wrap="square" rtlCol="0">
+            <a:spAutoFit/>
+          </a:bodyPr>
+          <a:lstStyle/>
+          <a:p>
+            <a:pPr algn="ctr"/>
+            <a:r>
+              <a:rPr lang="en-US" dirty="0" smtClean="0"/>
+              <a:t>On-premise</a:t>
+            </a:r>
+            <a:endParaRPr lang="en-US" dirty="0"/>
+          </a:p>
+        </p:txBody>
+      </p:sp>
+    </p:spTree>
+    <p:extLst>
+      <p:ext uri="{BB962C8B-B14F-4D97-AF65-F5344CB8AC3E}">
+        <p14:creationId xmlns:p14="http://schemas.microsoft.com/office/powerpoint/2010/main" val="1390304213"/>
       </p:ext>
     </p:extLst>
   </p:cSld>
